--- a/Lending Club Case Study.pptx
+++ b/Lending Club Case Study.pptx
@@ -4288,52 +4288,6 @@
       </p:sp>
       <p:pic>
         <p:nvPicPr>
-          <p:cNvPr id="4098" name="Picture 2">
-            <a:extLst>
-              <a:ext uri="{FF2B5EF4-FFF2-40B4-BE49-F238E27FC236}">
-                <a16:creationId xmlns:a16="http://schemas.microsoft.com/office/drawing/2014/main" id="{9928B2A7-19B2-8C10-4B01-F29768290F06}"/>
-              </a:ext>
-            </a:extLst>
-          </p:cNvPr>
-          <p:cNvPicPr>
-            <a:picLocks noChangeAspect="1" noChangeArrowheads="1"/>
-          </p:cNvPicPr>
-          <p:nvPr/>
-        </p:nvPicPr>
-        <p:blipFill>
-          <a:blip r:embed="rId2">
-            <a:extLst>
-              <a:ext uri="{28A0092B-C50C-407E-A947-70E740481C1C}">
-                <a14:useLocalDpi xmlns:a14="http://schemas.microsoft.com/office/drawing/2010/main" val="0"/>
-              </a:ext>
-            </a:extLst>
-          </a:blip>
-          <a:stretch>
-            <a:fillRect/>
-          </a:stretch>
-        </p:blipFill>
-        <p:spPr bwMode="auto">
-          <a:xfrm>
-            <a:off x="8116373" y="1989271"/>
-            <a:ext cx="2799103" cy="2120320"/>
-          </a:xfrm>
-          <a:prstGeom prst="rect">
-            <a:avLst/>
-          </a:prstGeom>
-          <a:noFill/>
-          <a:extLst>
-            <a:ext uri="{909E8E84-426E-40DD-AFC4-6F175D3DCCD1}">
-              <a14:hiddenFill xmlns:a14="http://schemas.microsoft.com/office/drawing/2010/main">
-                <a:solidFill>
-                  <a:srgbClr val="FFFFFF"/>
-                </a:solidFill>
-              </a14:hiddenFill>
-            </a:ext>
-          </a:extLst>
-        </p:spPr>
-      </p:pic>
-      <p:pic>
-        <p:nvPicPr>
           <p:cNvPr id="4115" name="Picture 4114">
             <a:extLst>
               <a:ext uri="{FF2B5EF4-FFF2-40B4-BE49-F238E27FC236}">
@@ -4356,7 +4310,7 @@
           </p:nvPr>
         </p:nvPicPr>
         <p:blipFill rotWithShape="1">
-          <a:blip r:embed="rId3">
+          <a:blip r:embed="rId2">
             <a:extLst>
               <a:ext uri="{28A0092B-C50C-407E-A947-70E740481C1C}">
                 <a14:useLocalDpi xmlns:a14="http://schemas.microsoft.com/office/drawing/2010/main" val="0"/>
@@ -4430,6 +4384,36 @@
           </a:fontRef>
         </p:style>
       </p:cxnSp>
+      <p:pic>
+        <p:nvPicPr>
+          <p:cNvPr id="4" name="Picture 3">
+            <a:extLst>
+              <a:ext uri="{FF2B5EF4-FFF2-40B4-BE49-F238E27FC236}">
+                <a16:creationId xmlns:a16="http://schemas.microsoft.com/office/drawing/2014/main" id="{E30EC541-5E5F-B435-129F-EF694929485C}"/>
+              </a:ext>
+            </a:extLst>
+          </p:cNvPr>
+          <p:cNvPicPr>
+            <a:picLocks noChangeAspect="1"/>
+          </p:cNvPicPr>
+          <p:nvPr/>
+        </p:nvPicPr>
+        <p:blipFill>
+          <a:blip r:embed="rId3"/>
+          <a:stretch>
+            <a:fillRect/>
+          </a:stretch>
+        </p:blipFill>
+        <p:spPr>
+          <a:xfrm>
+            <a:off x="7890261" y="1472523"/>
+            <a:ext cx="3145706" cy="2418757"/>
+          </a:xfrm>
+          <a:prstGeom prst="rect">
+            <a:avLst/>
+          </a:prstGeom>
+        </p:spPr>
+      </p:pic>
     </p:spTree>
     <p:extLst>
       <p:ext uri="{BB962C8B-B14F-4D97-AF65-F5344CB8AC3E}">
@@ -4647,7 +4631,7 @@
             </a:r>
             <a:r>
               <a:rPr lang="en-US" dirty="0"/>
-              <a:t> team for bringing to us such an awesome learning platform </a:t>
+              <a:t> team for bringing to us such an awesome learning platform. </a:t>
             </a:r>
           </a:p>
         </p:txBody>
@@ -5696,51 +5680,6 @@
       </p:grpSp>
       <p:pic>
         <p:nvPicPr>
-          <p:cNvPr id="1026" name="Picture 2">
-            <a:extLst>
-              <a:ext uri="{FF2B5EF4-FFF2-40B4-BE49-F238E27FC236}">
-                <a16:creationId xmlns:a16="http://schemas.microsoft.com/office/drawing/2014/main" id="{E88B9697-B92E-3886-EEA6-914FB6EC6CAA}"/>
-              </a:ext>
-            </a:extLst>
-          </p:cNvPr>
-          <p:cNvPicPr>
-            <a:picLocks noChangeAspect="1" noChangeArrowheads="1"/>
-          </p:cNvPicPr>
-          <p:nvPr/>
-        </p:nvPicPr>
-        <p:blipFill rotWithShape="1">
-          <a:blip r:embed="rId2">
-            <a:extLst>
-              <a:ext uri="{28A0092B-C50C-407E-A947-70E740481C1C}">
-                <a14:useLocalDpi xmlns:a14="http://schemas.microsoft.com/office/drawing/2010/main" val="0"/>
-              </a:ext>
-            </a:extLst>
-          </a:blip>
-          <a:srcRect r="4599" b="4"/>
-          <a:stretch/>
-        </p:blipFill>
-        <p:spPr bwMode="auto">
-          <a:xfrm>
-            <a:off x="6093926" y="1116345"/>
-            <a:ext cx="4821551" cy="3866172"/>
-          </a:xfrm>
-          <a:prstGeom prst="rect">
-            <a:avLst/>
-          </a:prstGeom>
-          <a:noFill/>
-          <a:extLst>
-            <a:ext uri="{909E8E84-426E-40DD-AFC4-6F175D3DCCD1}">
-              <a14:hiddenFill xmlns:a14="http://schemas.microsoft.com/office/drawing/2010/main">
-                <a:solidFill>
-                  <a:srgbClr val="FFFFFF"/>
-                </a:solidFill>
-              </a14:hiddenFill>
-            </a:ext>
-          </a:extLst>
-        </p:spPr>
-      </p:pic>
-      <p:pic>
-        <p:nvPicPr>
           <p:cNvPr id="1054" name="Picture 1053">
             <a:extLst>
               <a:ext uri="{FF2B5EF4-FFF2-40B4-BE49-F238E27FC236}">
@@ -5763,7 +5702,7 @@
           </p:nvPr>
         </p:nvPicPr>
         <p:blipFill rotWithShape="1">
-          <a:blip r:embed="rId3">
+          <a:blip r:embed="rId2">
             <a:extLst>
               <a:ext uri="{28A0092B-C50C-407E-A947-70E740481C1C}">
                 <a14:useLocalDpi xmlns:a14="http://schemas.microsoft.com/office/drawing/2010/main" val="0"/>
@@ -5837,6 +5776,36 @@
           </a:fontRef>
         </p:style>
       </p:cxnSp>
+      <p:pic>
+        <p:nvPicPr>
+          <p:cNvPr id="4" name="Picture 3">
+            <a:extLst>
+              <a:ext uri="{FF2B5EF4-FFF2-40B4-BE49-F238E27FC236}">
+                <a16:creationId xmlns:a16="http://schemas.microsoft.com/office/drawing/2014/main" id="{A2DFEB3D-64E2-C5FF-A1F7-E8F9C252E290}"/>
+              </a:ext>
+            </a:extLst>
+          </p:cNvPr>
+          <p:cNvPicPr>
+            <a:picLocks noChangeAspect="1"/>
+          </p:cNvPicPr>
+          <p:nvPr/>
+        </p:nvPicPr>
+        <p:blipFill>
+          <a:blip r:embed="rId3"/>
+          <a:stretch>
+            <a:fillRect/>
+          </a:stretch>
+        </p:blipFill>
+        <p:spPr>
+          <a:xfrm>
+            <a:off x="6200976" y="1226728"/>
+            <a:ext cx="4610100" cy="3581400"/>
+          </a:xfrm>
+          <a:prstGeom prst="rect">
+            <a:avLst/>
+          </a:prstGeom>
+        </p:spPr>
+      </p:pic>
     </p:spTree>
     <p:extLst>
       <p:ext uri="{BB962C8B-B14F-4D97-AF65-F5344CB8AC3E}">
@@ -6394,7 +6363,7 @@
         </p:blipFill>
         <p:spPr>
           <a:xfrm>
-            <a:off x="6093926" y="1116345"/>
+            <a:off x="6093926" y="1096025"/>
             <a:ext cx="4821551" cy="3866172"/>
           </a:xfrm>
           <a:prstGeom prst="rect">
@@ -6806,15 +6775,15 @@
               <a:buNone/>
             </a:pPr>
             <a:r>
-              <a:rPr lang="en-US" sz="1300"/>
+              <a:rPr lang="en-US" sz="1300" dirty="0"/>
               <a:t>People in loan dataset were having debt to income ratio between 0 to 30.  We made 6 ranges of debt to income ratio </a:t>
             </a:r>
             <a:r>
-              <a:rPr lang="en-US" sz="1300" err="1"/>
+              <a:rPr lang="en-US" sz="1300" dirty="0" err="1"/>
               <a:t>i.e</a:t>
             </a:r>
             <a:r>
-              <a:rPr lang="en-US" sz="1300"/>
+              <a:rPr lang="en-US" sz="1300" dirty="0"/>
               <a:t> 0-5, 5-10, 10-15, 15-20, 20-25, 25-30  and we categorized each person in dataset by range of debt to income ratio they fall in.</a:t>
             </a:r>
           </a:p>
@@ -6826,7 +6795,7 @@
               <a:buNone/>
             </a:pPr>
             <a:r>
-              <a:rPr lang="en-US" sz="1300"/>
+              <a:rPr lang="en-US" sz="1300" dirty="0"/>
               <a:t>On grouping defaulters by debt to income ratio ranges we get observation as shown alongside.</a:t>
             </a:r>
           </a:p>
@@ -6838,7 +6807,7 @@
               <a:buNone/>
             </a:pPr>
             <a:r>
-              <a:rPr lang="en-US" sz="1300" b="1"/>
+              <a:rPr lang="en-US" sz="1300" b="1" dirty="0"/>
               <a:t>Conclusion: Default rate increases with increase in debt to income ratio until 20-25 range than drops for 25-30 range.  </a:t>
             </a:r>
           </a:p>
@@ -6850,7 +6819,7 @@
               <a:buNone/>
             </a:pPr>
             <a:r>
-              <a:rPr lang="en-US" sz="1300" b="1"/>
+              <a:rPr lang="en-US" sz="1300" b="1" dirty="0"/>
               <a:t>Recommendation: It is safe to give loans to people with low debt to income ratio.</a:t>
             </a:r>
           </a:p>
@@ -6861,7 +6830,7 @@
               </a:lnSpc>
               <a:buNone/>
             </a:pPr>
-            <a:endParaRPr lang="en-US" sz="1300"/>
+            <a:endParaRPr lang="en-US" sz="1300" dirty="0"/>
           </a:p>
         </p:txBody>
       </p:sp>
@@ -7064,51 +7033,6 @@
       </p:grpSp>
       <p:pic>
         <p:nvPicPr>
-          <p:cNvPr id="2050" name="Picture 2">
-            <a:extLst>
-              <a:ext uri="{FF2B5EF4-FFF2-40B4-BE49-F238E27FC236}">
-                <a16:creationId xmlns:a16="http://schemas.microsoft.com/office/drawing/2014/main" id="{B2114924-46BD-67AC-DAAD-1519CFE6EB99}"/>
-              </a:ext>
-            </a:extLst>
-          </p:cNvPr>
-          <p:cNvPicPr>
-            <a:picLocks noChangeAspect="1" noChangeArrowheads="1"/>
-          </p:cNvPicPr>
-          <p:nvPr/>
-        </p:nvPicPr>
-        <p:blipFill rotWithShape="1">
-          <a:blip r:embed="rId2">
-            <a:extLst>
-              <a:ext uri="{28A0092B-C50C-407E-A947-70E740481C1C}">
-                <a14:useLocalDpi xmlns:a14="http://schemas.microsoft.com/office/drawing/2010/main" val="0"/>
-              </a:ext>
-            </a:extLst>
-          </a:blip>
-          <a:srcRect l="3200" r="15426" b="1"/>
-          <a:stretch/>
-        </p:blipFill>
-        <p:spPr bwMode="auto">
-          <a:xfrm>
-            <a:off x="6093926" y="1116345"/>
-            <a:ext cx="4821551" cy="3866172"/>
-          </a:xfrm>
-          <a:prstGeom prst="rect">
-            <a:avLst/>
-          </a:prstGeom>
-          <a:noFill/>
-          <a:extLst>
-            <a:ext uri="{909E8E84-426E-40DD-AFC4-6F175D3DCCD1}">
-              <a14:hiddenFill xmlns:a14="http://schemas.microsoft.com/office/drawing/2010/main">
-                <a:solidFill>
-                  <a:srgbClr val="FFFFFF"/>
-                </a:solidFill>
-              </a14:hiddenFill>
-            </a:ext>
-          </a:extLst>
-        </p:spPr>
-      </p:pic>
-      <p:pic>
-        <p:nvPicPr>
           <p:cNvPr id="2072" name="Picture 2071">
             <a:extLst>
               <a:ext uri="{FF2B5EF4-FFF2-40B4-BE49-F238E27FC236}">
@@ -7131,7 +7055,7 @@
           </p:nvPr>
         </p:nvPicPr>
         <p:blipFill rotWithShape="1">
-          <a:blip r:embed="rId3">
+          <a:blip r:embed="rId2">
             <a:extLst>
               <a:ext uri="{28A0092B-C50C-407E-A947-70E740481C1C}">
                 <a14:useLocalDpi xmlns:a14="http://schemas.microsoft.com/office/drawing/2010/main" val="0"/>
@@ -7205,6 +7129,36 @@
           </a:fontRef>
         </p:style>
       </p:cxnSp>
+      <p:pic>
+        <p:nvPicPr>
+          <p:cNvPr id="4" name="Picture 3">
+            <a:extLst>
+              <a:ext uri="{FF2B5EF4-FFF2-40B4-BE49-F238E27FC236}">
+                <a16:creationId xmlns:a16="http://schemas.microsoft.com/office/drawing/2014/main" id="{2C8D0D45-7063-C4B0-A6E8-BFC88298248A}"/>
+              </a:ext>
+            </a:extLst>
+          </p:cNvPr>
+          <p:cNvPicPr>
+            <a:picLocks noChangeAspect="1"/>
+          </p:cNvPicPr>
+          <p:nvPr/>
+        </p:nvPicPr>
+        <p:blipFill>
+          <a:blip r:embed="rId3"/>
+          <a:stretch>
+            <a:fillRect/>
+          </a:stretch>
+        </p:blipFill>
+        <p:spPr>
+          <a:xfrm>
+            <a:off x="6096147" y="1647854"/>
+            <a:ext cx="4476750" cy="2990850"/>
+          </a:xfrm>
+          <a:prstGeom prst="rect">
+            <a:avLst/>
+          </a:prstGeom>
+        </p:spPr>
+      </p:pic>
     </p:spTree>
     <p:extLst>
       <p:ext uri="{BB962C8B-B14F-4D97-AF65-F5344CB8AC3E}">
@@ -7802,52 +7756,6 @@
       </p:sp>
       <p:pic>
         <p:nvPicPr>
-          <p:cNvPr id="3074" name="Picture 2">
-            <a:extLst>
-              <a:ext uri="{FF2B5EF4-FFF2-40B4-BE49-F238E27FC236}">
-                <a16:creationId xmlns:a16="http://schemas.microsoft.com/office/drawing/2014/main" id="{76B97F8A-9280-4DAA-8288-20458A58F13A}"/>
-              </a:ext>
-            </a:extLst>
-          </p:cNvPr>
-          <p:cNvPicPr>
-            <a:picLocks noChangeAspect="1" noChangeArrowheads="1"/>
-          </p:cNvPicPr>
-          <p:nvPr/>
-        </p:nvPicPr>
-        <p:blipFill>
-          <a:blip r:embed="rId2">
-            <a:extLst>
-              <a:ext uri="{28A0092B-C50C-407E-A947-70E740481C1C}">
-                <a14:useLocalDpi xmlns:a14="http://schemas.microsoft.com/office/drawing/2010/main" val="0"/>
-              </a:ext>
-            </a:extLst>
-          </a:blip>
-          <a:stretch>
-            <a:fillRect/>
-          </a:stretch>
-        </p:blipFill>
-        <p:spPr bwMode="auto">
-          <a:xfrm>
-            <a:off x="8327077" y="1116345"/>
-            <a:ext cx="2377695" cy="3866172"/>
-          </a:xfrm>
-          <a:prstGeom prst="rect">
-            <a:avLst/>
-          </a:prstGeom>
-          <a:noFill/>
-          <a:extLst>
-            <a:ext uri="{909E8E84-426E-40DD-AFC4-6F175D3DCCD1}">
-              <a14:hiddenFill xmlns:a14="http://schemas.microsoft.com/office/drawing/2010/main">
-                <a:solidFill>
-                  <a:srgbClr val="FFFFFF"/>
-                </a:solidFill>
-              </a14:hiddenFill>
-            </a:ext>
-          </a:extLst>
-        </p:spPr>
-      </p:pic>
-      <p:pic>
-        <p:nvPicPr>
           <p:cNvPr id="3091" name="Picture 3090">
             <a:extLst>
               <a:ext uri="{FF2B5EF4-FFF2-40B4-BE49-F238E27FC236}">
@@ -7870,7 +7778,7 @@
           </p:nvPr>
         </p:nvPicPr>
         <p:blipFill rotWithShape="1">
-          <a:blip r:embed="rId3">
+          <a:blip r:embed="rId2">
             <a:extLst>
               <a:ext uri="{28A0092B-C50C-407E-A947-70E740481C1C}">
                 <a14:useLocalDpi xmlns:a14="http://schemas.microsoft.com/office/drawing/2010/main" val="0"/>
@@ -7944,6 +7852,36 @@
           </a:fontRef>
         </p:style>
       </p:cxnSp>
+      <p:pic>
+        <p:nvPicPr>
+          <p:cNvPr id="4" name="Picture 3">
+            <a:extLst>
+              <a:ext uri="{FF2B5EF4-FFF2-40B4-BE49-F238E27FC236}">
+                <a16:creationId xmlns:a16="http://schemas.microsoft.com/office/drawing/2014/main" id="{4DD6F8ED-3BD0-3194-AE5F-44503D64BA95}"/>
+              </a:ext>
+            </a:extLst>
+          </p:cNvPr>
+          <p:cNvPicPr>
+            <a:picLocks noChangeAspect="1"/>
+          </p:cNvPicPr>
+          <p:nvPr/>
+        </p:nvPicPr>
+        <p:blipFill>
+          <a:blip r:embed="rId3"/>
+          <a:stretch>
+            <a:fillRect/>
+          </a:stretch>
+        </p:blipFill>
+        <p:spPr>
+          <a:xfrm>
+            <a:off x="7920700" y="894079"/>
+            <a:ext cx="3150368" cy="4384880"/>
+          </a:xfrm>
+          <a:prstGeom prst="rect">
+            <a:avLst/>
+          </a:prstGeom>
+        </p:spPr>
+      </p:pic>
     </p:spTree>
     <p:extLst>
       <p:ext uri="{BB962C8B-B14F-4D97-AF65-F5344CB8AC3E}">
@@ -8548,36 +8486,6 @@
       </p:sp>
       <p:pic>
         <p:nvPicPr>
-          <p:cNvPr id="4" name="Picture 3">
-            <a:extLst>
-              <a:ext uri="{FF2B5EF4-FFF2-40B4-BE49-F238E27FC236}">
-                <a16:creationId xmlns:a16="http://schemas.microsoft.com/office/drawing/2014/main" id="{7F39345C-7EBB-D22A-3A28-B490E7431679}"/>
-              </a:ext>
-            </a:extLst>
-          </p:cNvPr>
-          <p:cNvPicPr>
-            <a:picLocks noChangeAspect="1"/>
-          </p:cNvPicPr>
-          <p:nvPr/>
-        </p:nvPicPr>
-        <p:blipFill>
-          <a:blip r:embed="rId2"/>
-          <a:stretch>
-            <a:fillRect/>
-          </a:stretch>
-        </p:blipFill>
-        <p:spPr>
-          <a:xfrm>
-            <a:off x="8116373" y="1316240"/>
-            <a:ext cx="2799103" cy="3466382"/>
-          </a:xfrm>
-          <a:prstGeom prst="rect">
-            <a:avLst/>
-          </a:prstGeom>
-        </p:spPr>
-      </p:pic>
-      <p:pic>
-        <p:nvPicPr>
           <p:cNvPr id="31" name="Picture 30">
             <a:extLst>
               <a:ext uri="{FF2B5EF4-FFF2-40B4-BE49-F238E27FC236}">
@@ -8600,7 +8508,7 @@
           </p:nvPr>
         </p:nvPicPr>
         <p:blipFill rotWithShape="1">
-          <a:blip r:embed="rId3">
+          <a:blip r:embed="rId2">
             <a:extLst>
               <a:ext uri="{28A0092B-C50C-407E-A947-70E740481C1C}">
                 <a14:useLocalDpi xmlns:a14="http://schemas.microsoft.com/office/drawing/2010/main" val="0"/>
@@ -8674,6 +8582,36 @@
           </a:fontRef>
         </p:style>
       </p:cxnSp>
+      <p:pic>
+        <p:nvPicPr>
+          <p:cNvPr id="5" name="Picture 4">
+            <a:extLst>
+              <a:ext uri="{FF2B5EF4-FFF2-40B4-BE49-F238E27FC236}">
+                <a16:creationId xmlns:a16="http://schemas.microsoft.com/office/drawing/2014/main" id="{89FAB6E5-A53F-8792-5F75-9B1E2D9259FD}"/>
+              </a:ext>
+            </a:extLst>
+          </p:cNvPr>
+          <p:cNvPicPr>
+            <a:picLocks noChangeAspect="1"/>
+          </p:cNvPicPr>
+          <p:nvPr/>
+        </p:nvPicPr>
+        <p:blipFill>
+          <a:blip r:embed="rId3"/>
+          <a:stretch>
+            <a:fillRect/>
+          </a:stretch>
+        </p:blipFill>
+        <p:spPr>
+          <a:xfrm>
+            <a:off x="7839552" y="966535"/>
+            <a:ext cx="3343587" cy="4113032"/>
+          </a:xfrm>
+          <a:prstGeom prst="rect">
+            <a:avLst/>
+          </a:prstGeom>
+        </p:spPr>
+      </p:pic>
     </p:spTree>
     <p:extLst>
       <p:ext uri="{BB962C8B-B14F-4D97-AF65-F5344CB8AC3E}">
